--- a/Diapositivas/Producto de Unidad2.pptx
+++ b/Diapositivas/Producto de Unidad2.pptx
@@ -3761,7 +3761,7 @@
         </p:nvSpPr>
         <p:spPr>
           <a:xfrm>
-            <a:off x="1619534" y="2146852"/>
+            <a:off x="585863" y="1446188"/>
             <a:ext cx="8952932" cy="1401327"/>
           </a:xfrm>
         </p:spPr>
@@ -3812,7 +3812,7 @@
         </p:nvSpPr>
         <p:spPr>
           <a:xfrm>
-            <a:off x="1908313" y="3428784"/>
+            <a:off x="1061558" y="3123986"/>
             <a:ext cx="8322365" cy="2208321"/>
           </a:xfrm>
         </p:spPr>
@@ -3829,7 +3829,7 @@
                   <a:schemeClr val="bg1"/>
                 </a:solidFill>
               </a:rPr>
-              <a:t>Integrantes</a:t>
+              <a:t>Integrantes:</a:t>
             </a:r>
           </a:p>
           <a:p>
@@ -3869,32 +3869,49 @@
       </p:sp>
       <p:pic>
         <p:nvPicPr>
-          <p:cNvPr id="7" name="Imagen 6">
-            <a:extLst>
-              <a:ext uri="{FF2B5EF4-FFF2-40B4-BE49-F238E27FC236}">
-                <a16:creationId xmlns:a16="http://schemas.microsoft.com/office/drawing/2014/main" id="{5B484379-E4D9-4D1B-A6FB-68196E373408}"/>
+          <p:cNvPr id="1028" name="Picture 4" descr="ESPE | Universidad de las Fuerzas Armadas | Sangolquí">
+            <a:extLst>
+              <a:ext uri="{FF2B5EF4-FFF2-40B4-BE49-F238E27FC236}">
+                <a16:creationId xmlns:a16="http://schemas.microsoft.com/office/drawing/2014/main" id="{C9533DD8-546E-4EFB-8991-8E8394D235EA}"/>
               </a:ext>
             </a:extLst>
           </p:cNvPr>
           <p:cNvPicPr>
-            <a:picLocks noChangeAspect="1"/>
+            <a:picLocks noChangeAspect="1" noChangeArrowheads="1"/>
           </p:cNvPicPr>
           <p:nvPr/>
         </p:nvPicPr>
         <p:blipFill>
-          <a:blip r:embed="rId3"/>
+          <a:blip r:embed="rId3">
+            <a:extLst>
+              <a:ext uri="{28A0092B-C50C-407E-A947-70E740481C1C}">
+                <a14:useLocalDpi xmlns:a14="http://schemas.microsoft.com/office/drawing/2010/main" val="0"/>
+              </a:ext>
+            </a:extLst>
+          </a:blip>
+          <a:srcRect/>
           <a:stretch>
             <a:fillRect/>
           </a:stretch>
         </p:blipFill>
-        <p:spPr>
+        <p:spPr bwMode="auto">
           <a:xfrm>
-            <a:off x="2950191" y="347221"/>
-            <a:ext cx="6076652" cy="1799397"/>
+            <a:off x="5583547" y="3548179"/>
+            <a:ext cx="5969580" cy="1647604"/>
           </a:xfrm>
           <a:prstGeom prst="rect">
             <a:avLst/>
           </a:prstGeom>
+          <a:noFill/>
+          <a:extLst>
+            <a:ext uri="{909E8E84-426E-40DD-AFC4-6F175D3DCCD1}">
+              <a14:hiddenFill xmlns:a14="http://schemas.microsoft.com/office/drawing/2010/main">
+                <a:solidFill>
+                  <a:srgbClr val="FFFFFF"/>
+                </a:solidFill>
+              </a14:hiddenFill>
+            </a:ext>
+          </a:extLst>
         </p:spPr>
       </p:pic>
     </p:spTree>
